--- a/clases/Cap01_Introduccion/presentations/PAT01_PR_Methodologia.pptx
+++ b/clases/Cap01_Introduccion/presentations/PAT01_PR_Methodologia.pptx
@@ -674,7 +674,7 @@
           <a:lstStyle/>
           <a:p>
             <a:pPr eaLnBrk="1" hangingPunct="1"/>
-            <a:endParaRPr lang="es-ES" smtClean="0"/>
+            <a:endParaRPr lang="es-ES"/>
           </a:p>
         </p:txBody>
       </p:sp>
@@ -724,10 +724,9 @@
           <a:lstStyle/>
           <a:p>
             <a:r>
-              <a:rPr lang="es-ES_tradnl" smtClean="0"/>
+              <a:rPr lang="es-ES_tradnl"/>
               <a:t>Clic para editar título</a:t>
             </a:r>
-            <a:endParaRPr lang="es-ES_tradnl"/>
           </a:p>
         </p:txBody>
       </p:sp>
@@ -789,10 +788,9 @@
           </a:lstStyle>
           <a:p>
             <a:r>
-              <a:rPr lang="es-ES_tradnl" smtClean="0"/>
+              <a:rPr lang="es-ES_tradnl"/>
               <a:t>Haga clic para modificar el estilo de subtítulo del patrón</a:t>
             </a:r>
-            <a:endParaRPr lang="es-ES_tradnl"/>
           </a:p>
         </p:txBody>
       </p:sp>
@@ -911,10 +909,9 @@
           <a:lstStyle/>
           <a:p>
             <a:r>
-              <a:rPr lang="es-ES_tradnl" smtClean="0"/>
+              <a:rPr lang="es-ES_tradnl"/>
               <a:t>Clic para editar título</a:t>
             </a:r>
-            <a:endParaRPr lang="es-ES_tradnl"/>
           </a:p>
         </p:txBody>
       </p:sp>
@@ -935,38 +932,37 @@
           <a:p>
             <a:pPr lvl="0"/>
             <a:r>
-              <a:rPr lang="es-ES_tradnl" smtClean="0"/>
+              <a:rPr lang="es-ES_tradnl"/>
               <a:t>Haga clic para modificar el estilo de texto del patrón</a:t>
             </a:r>
           </a:p>
           <a:p>
             <a:pPr lvl="1"/>
             <a:r>
-              <a:rPr lang="es-ES_tradnl" smtClean="0"/>
+              <a:rPr lang="es-ES_tradnl"/>
               <a:t>Segundo nivel</a:t>
             </a:r>
           </a:p>
           <a:p>
             <a:pPr lvl="2"/>
             <a:r>
-              <a:rPr lang="es-ES_tradnl" smtClean="0"/>
+              <a:rPr lang="es-ES_tradnl"/>
               <a:t>Tercer nivel</a:t>
             </a:r>
           </a:p>
           <a:p>
             <a:pPr lvl="3"/>
             <a:r>
-              <a:rPr lang="es-ES_tradnl" smtClean="0"/>
+              <a:rPr lang="es-ES_tradnl"/>
               <a:t>Cuarto nivel</a:t>
             </a:r>
           </a:p>
           <a:p>
             <a:pPr lvl="4"/>
             <a:r>
-              <a:rPr lang="es-ES_tradnl" smtClean="0"/>
+              <a:rPr lang="es-ES_tradnl"/>
               <a:t>Quinto nivel</a:t>
             </a:r>
-            <a:endParaRPr lang="es-ES_tradnl"/>
           </a:p>
         </p:txBody>
       </p:sp>
@@ -1090,10 +1086,9 @@
           <a:lstStyle/>
           <a:p>
             <a:r>
-              <a:rPr lang="es-ES_tradnl" smtClean="0"/>
+              <a:rPr lang="es-ES_tradnl"/>
               <a:t>Clic para editar título</a:t>
             </a:r>
-            <a:endParaRPr lang="es-ES_tradnl"/>
           </a:p>
         </p:txBody>
       </p:sp>
@@ -1119,38 +1114,37 @@
           <a:p>
             <a:pPr lvl="0"/>
             <a:r>
-              <a:rPr lang="es-ES_tradnl" smtClean="0"/>
+              <a:rPr lang="es-ES_tradnl"/>
               <a:t>Haga clic para modificar el estilo de texto del patrón</a:t>
             </a:r>
           </a:p>
           <a:p>
             <a:pPr lvl="1"/>
             <a:r>
-              <a:rPr lang="es-ES_tradnl" smtClean="0"/>
+              <a:rPr lang="es-ES_tradnl"/>
               <a:t>Segundo nivel</a:t>
             </a:r>
           </a:p>
           <a:p>
             <a:pPr lvl="2"/>
             <a:r>
-              <a:rPr lang="es-ES_tradnl" smtClean="0"/>
+              <a:rPr lang="es-ES_tradnl"/>
               <a:t>Tercer nivel</a:t>
             </a:r>
           </a:p>
           <a:p>
             <a:pPr lvl="3"/>
             <a:r>
-              <a:rPr lang="es-ES_tradnl" smtClean="0"/>
+              <a:rPr lang="es-ES_tradnl"/>
               <a:t>Cuarto nivel</a:t>
             </a:r>
           </a:p>
           <a:p>
             <a:pPr lvl="4"/>
             <a:r>
-              <a:rPr lang="es-ES_tradnl" smtClean="0"/>
+              <a:rPr lang="es-ES_tradnl"/>
               <a:t>Quinto nivel</a:t>
             </a:r>
-            <a:endParaRPr lang="es-ES_tradnl"/>
           </a:p>
         </p:txBody>
       </p:sp>
@@ -1269,10 +1263,9 @@
           <a:lstStyle/>
           <a:p>
             <a:r>
-              <a:rPr lang="es-ES_tradnl" smtClean="0"/>
+              <a:rPr lang="es-ES_tradnl"/>
               <a:t>Clic para editar título</a:t>
             </a:r>
-            <a:endParaRPr lang="es-ES_tradnl"/>
           </a:p>
         </p:txBody>
       </p:sp>
@@ -1293,38 +1286,37 @@
           <a:p>
             <a:pPr lvl="0"/>
             <a:r>
-              <a:rPr lang="es-ES_tradnl" smtClean="0"/>
+              <a:rPr lang="es-ES_tradnl"/>
               <a:t>Haga clic para modificar el estilo de texto del patrón</a:t>
             </a:r>
           </a:p>
           <a:p>
             <a:pPr lvl="1"/>
             <a:r>
-              <a:rPr lang="es-ES_tradnl" smtClean="0"/>
+              <a:rPr lang="es-ES_tradnl"/>
               <a:t>Segundo nivel</a:t>
             </a:r>
           </a:p>
           <a:p>
             <a:pPr lvl="2"/>
             <a:r>
-              <a:rPr lang="es-ES_tradnl" smtClean="0"/>
+              <a:rPr lang="es-ES_tradnl"/>
               <a:t>Tercer nivel</a:t>
             </a:r>
           </a:p>
           <a:p>
             <a:pPr lvl="3"/>
             <a:r>
-              <a:rPr lang="es-ES_tradnl" smtClean="0"/>
+              <a:rPr lang="es-ES_tradnl"/>
               <a:t>Cuarto nivel</a:t>
             </a:r>
           </a:p>
           <a:p>
             <a:pPr lvl="4"/>
             <a:r>
-              <a:rPr lang="es-ES_tradnl" smtClean="0"/>
+              <a:rPr lang="es-ES_tradnl"/>
               <a:t>Quinto nivel</a:t>
             </a:r>
-            <a:endParaRPr lang="es-ES_tradnl"/>
           </a:p>
         </p:txBody>
       </p:sp>
@@ -1452,10 +1444,9 @@
           </a:lstStyle>
           <a:p>
             <a:r>
-              <a:rPr lang="es-ES_tradnl" smtClean="0"/>
+              <a:rPr lang="es-ES_tradnl"/>
               <a:t>Clic para editar título</a:t>
             </a:r>
-            <a:endParaRPr lang="es-ES_tradnl"/>
           </a:p>
         </p:txBody>
       </p:sp>
@@ -1518,7 +1509,7 @@
           <a:p>
             <a:pPr lvl="0"/>
             <a:r>
-              <a:rPr lang="es-ES_tradnl" smtClean="0"/>
+              <a:rPr lang="es-ES_tradnl"/>
               <a:t>Haga clic para modificar el estilo de texto del patrón</a:t>
             </a:r>
           </a:p>
@@ -1639,10 +1630,9 @@
           <a:lstStyle/>
           <a:p>
             <a:r>
-              <a:rPr lang="es-ES_tradnl" smtClean="0"/>
+              <a:rPr lang="es-ES_tradnl"/>
               <a:t>Clic para editar título</a:t>
             </a:r>
-            <a:endParaRPr lang="es-ES_tradnl"/>
           </a:p>
         </p:txBody>
       </p:sp>
@@ -1696,38 +1686,37 @@
           <a:p>
             <a:pPr lvl="0"/>
             <a:r>
-              <a:rPr lang="es-ES_tradnl" smtClean="0"/>
+              <a:rPr lang="es-ES_tradnl"/>
               <a:t>Haga clic para modificar el estilo de texto del patrón</a:t>
             </a:r>
           </a:p>
           <a:p>
             <a:pPr lvl="1"/>
             <a:r>
-              <a:rPr lang="es-ES_tradnl" smtClean="0"/>
+              <a:rPr lang="es-ES_tradnl"/>
               <a:t>Segundo nivel</a:t>
             </a:r>
           </a:p>
           <a:p>
             <a:pPr lvl="2"/>
             <a:r>
-              <a:rPr lang="es-ES_tradnl" smtClean="0"/>
+              <a:rPr lang="es-ES_tradnl"/>
               <a:t>Tercer nivel</a:t>
             </a:r>
           </a:p>
           <a:p>
             <a:pPr lvl="3"/>
             <a:r>
-              <a:rPr lang="es-ES_tradnl" smtClean="0"/>
+              <a:rPr lang="es-ES_tradnl"/>
               <a:t>Cuarto nivel</a:t>
             </a:r>
           </a:p>
           <a:p>
             <a:pPr lvl="4"/>
             <a:r>
-              <a:rPr lang="es-ES_tradnl" smtClean="0"/>
+              <a:rPr lang="es-ES_tradnl"/>
               <a:t>Quinto nivel</a:t>
             </a:r>
-            <a:endParaRPr lang="es-ES_tradnl"/>
           </a:p>
         </p:txBody>
       </p:sp>
@@ -1781,38 +1770,37 @@
           <a:p>
             <a:pPr lvl="0"/>
             <a:r>
-              <a:rPr lang="es-ES_tradnl" smtClean="0"/>
+              <a:rPr lang="es-ES_tradnl"/>
               <a:t>Haga clic para modificar el estilo de texto del patrón</a:t>
             </a:r>
           </a:p>
           <a:p>
             <a:pPr lvl="1"/>
             <a:r>
-              <a:rPr lang="es-ES_tradnl" smtClean="0"/>
+              <a:rPr lang="es-ES_tradnl"/>
               <a:t>Segundo nivel</a:t>
             </a:r>
           </a:p>
           <a:p>
             <a:pPr lvl="2"/>
             <a:r>
-              <a:rPr lang="es-ES_tradnl" smtClean="0"/>
+              <a:rPr lang="es-ES_tradnl"/>
               <a:t>Tercer nivel</a:t>
             </a:r>
           </a:p>
           <a:p>
             <a:pPr lvl="3"/>
             <a:r>
-              <a:rPr lang="es-ES_tradnl" smtClean="0"/>
+              <a:rPr lang="es-ES_tradnl"/>
               <a:t>Cuarto nivel</a:t>
             </a:r>
           </a:p>
           <a:p>
             <a:pPr lvl="4"/>
             <a:r>
-              <a:rPr lang="es-ES_tradnl" smtClean="0"/>
+              <a:rPr lang="es-ES_tradnl"/>
               <a:t>Quinto nivel</a:t>
             </a:r>
-            <a:endParaRPr lang="es-ES_tradnl"/>
           </a:p>
         </p:txBody>
       </p:sp>
@@ -1935,10 +1923,9 @@
           </a:lstStyle>
           <a:p>
             <a:r>
-              <a:rPr lang="es-ES_tradnl" smtClean="0"/>
+              <a:rPr lang="es-ES_tradnl"/>
               <a:t>Clic para editar título</a:t>
             </a:r>
-            <a:endParaRPr lang="es-ES_tradnl"/>
           </a:p>
         </p:txBody>
       </p:sp>
@@ -2001,7 +1988,7 @@
           <a:p>
             <a:pPr lvl="0"/>
             <a:r>
-              <a:rPr lang="es-ES_tradnl" smtClean="0"/>
+              <a:rPr lang="es-ES_tradnl"/>
               <a:t>Haga clic para modificar el estilo de texto del patrón</a:t>
             </a:r>
           </a:p>
@@ -2057,38 +2044,37 @@
           <a:p>
             <a:pPr lvl="0"/>
             <a:r>
-              <a:rPr lang="es-ES_tradnl" smtClean="0"/>
+              <a:rPr lang="es-ES_tradnl"/>
               <a:t>Haga clic para modificar el estilo de texto del patrón</a:t>
             </a:r>
           </a:p>
           <a:p>
             <a:pPr lvl="1"/>
             <a:r>
-              <a:rPr lang="es-ES_tradnl" smtClean="0"/>
+              <a:rPr lang="es-ES_tradnl"/>
               <a:t>Segundo nivel</a:t>
             </a:r>
           </a:p>
           <a:p>
             <a:pPr lvl="2"/>
             <a:r>
-              <a:rPr lang="es-ES_tradnl" smtClean="0"/>
+              <a:rPr lang="es-ES_tradnl"/>
               <a:t>Tercer nivel</a:t>
             </a:r>
           </a:p>
           <a:p>
             <a:pPr lvl="3"/>
             <a:r>
-              <a:rPr lang="es-ES_tradnl" smtClean="0"/>
+              <a:rPr lang="es-ES_tradnl"/>
               <a:t>Cuarto nivel</a:t>
             </a:r>
           </a:p>
           <a:p>
             <a:pPr lvl="4"/>
             <a:r>
-              <a:rPr lang="es-ES_tradnl" smtClean="0"/>
+              <a:rPr lang="es-ES_tradnl"/>
               <a:t>Quinto nivel</a:t>
             </a:r>
-            <a:endParaRPr lang="es-ES_tradnl"/>
           </a:p>
         </p:txBody>
       </p:sp>
@@ -2151,7 +2137,7 @@
           <a:p>
             <a:pPr lvl="0"/>
             <a:r>
-              <a:rPr lang="es-ES_tradnl" smtClean="0"/>
+              <a:rPr lang="es-ES_tradnl"/>
               <a:t>Haga clic para modificar el estilo de texto del patrón</a:t>
             </a:r>
           </a:p>
@@ -2207,38 +2193,37 @@
           <a:p>
             <a:pPr lvl="0"/>
             <a:r>
-              <a:rPr lang="es-ES_tradnl" smtClean="0"/>
+              <a:rPr lang="es-ES_tradnl"/>
               <a:t>Haga clic para modificar el estilo de texto del patrón</a:t>
             </a:r>
           </a:p>
           <a:p>
             <a:pPr lvl="1"/>
             <a:r>
-              <a:rPr lang="es-ES_tradnl" smtClean="0"/>
+              <a:rPr lang="es-ES_tradnl"/>
               <a:t>Segundo nivel</a:t>
             </a:r>
           </a:p>
           <a:p>
             <a:pPr lvl="2"/>
             <a:r>
-              <a:rPr lang="es-ES_tradnl" smtClean="0"/>
+              <a:rPr lang="es-ES_tradnl"/>
               <a:t>Tercer nivel</a:t>
             </a:r>
           </a:p>
           <a:p>
             <a:pPr lvl="3"/>
             <a:r>
-              <a:rPr lang="es-ES_tradnl" smtClean="0"/>
+              <a:rPr lang="es-ES_tradnl"/>
               <a:t>Cuarto nivel</a:t>
             </a:r>
           </a:p>
           <a:p>
             <a:pPr lvl="4"/>
             <a:r>
-              <a:rPr lang="es-ES_tradnl" smtClean="0"/>
+              <a:rPr lang="es-ES_tradnl"/>
               <a:t>Quinto nivel</a:t>
             </a:r>
-            <a:endParaRPr lang="es-ES_tradnl"/>
           </a:p>
         </p:txBody>
       </p:sp>
@@ -2357,10 +2342,9 @@
           <a:lstStyle/>
           <a:p>
             <a:r>
-              <a:rPr lang="es-ES_tradnl" smtClean="0"/>
+              <a:rPr lang="es-ES_tradnl"/>
               <a:t>Clic para editar título</a:t>
             </a:r>
-            <a:endParaRPr lang="es-ES_tradnl"/>
           </a:p>
         </p:txBody>
       </p:sp>
@@ -2587,10 +2571,9 @@
           </a:lstStyle>
           <a:p>
             <a:r>
-              <a:rPr lang="es-ES_tradnl" smtClean="0"/>
+              <a:rPr lang="es-ES_tradnl"/>
               <a:t>Clic para editar título</a:t>
             </a:r>
-            <a:endParaRPr lang="es-ES_tradnl"/>
           </a:p>
         </p:txBody>
       </p:sp>
@@ -2644,38 +2627,37 @@
           <a:p>
             <a:pPr lvl="0"/>
             <a:r>
-              <a:rPr lang="es-ES_tradnl" smtClean="0"/>
+              <a:rPr lang="es-ES_tradnl"/>
               <a:t>Haga clic para modificar el estilo de texto del patrón</a:t>
             </a:r>
           </a:p>
           <a:p>
             <a:pPr lvl="1"/>
             <a:r>
-              <a:rPr lang="es-ES_tradnl" smtClean="0"/>
+              <a:rPr lang="es-ES_tradnl"/>
               <a:t>Segundo nivel</a:t>
             </a:r>
           </a:p>
           <a:p>
             <a:pPr lvl="2"/>
             <a:r>
-              <a:rPr lang="es-ES_tradnl" smtClean="0"/>
+              <a:rPr lang="es-ES_tradnl"/>
               <a:t>Tercer nivel</a:t>
             </a:r>
           </a:p>
           <a:p>
             <a:pPr lvl="3"/>
             <a:r>
-              <a:rPr lang="es-ES_tradnl" smtClean="0"/>
+              <a:rPr lang="es-ES_tradnl"/>
               <a:t>Cuarto nivel</a:t>
             </a:r>
           </a:p>
           <a:p>
             <a:pPr lvl="4"/>
             <a:r>
-              <a:rPr lang="es-ES_tradnl" smtClean="0"/>
+              <a:rPr lang="es-ES_tradnl"/>
               <a:t>Quinto nivel</a:t>
             </a:r>
-            <a:endParaRPr lang="es-ES_tradnl"/>
           </a:p>
         </p:txBody>
       </p:sp>
@@ -2738,7 +2720,7 @@
           <a:p>
             <a:pPr lvl="0"/>
             <a:r>
-              <a:rPr lang="es-ES_tradnl" smtClean="0"/>
+              <a:rPr lang="es-ES_tradnl"/>
               <a:t>Haga clic para modificar el estilo de texto del patrón</a:t>
             </a:r>
           </a:p>
@@ -2868,10 +2850,9 @@
           </a:lstStyle>
           <a:p>
             <a:r>
-              <a:rPr lang="es-ES_tradnl" smtClean="0"/>
+              <a:rPr lang="es-ES_tradnl"/>
               <a:t>Clic para editar título</a:t>
             </a:r>
-            <a:endParaRPr lang="es-ES_tradnl"/>
           </a:p>
         </p:txBody>
       </p:sp>
@@ -2995,7 +2976,7 @@
           <a:p>
             <a:pPr lvl="0"/>
             <a:r>
-              <a:rPr lang="es-ES_tradnl" smtClean="0"/>
+              <a:rPr lang="es-ES_tradnl"/>
               <a:t>Haga clic para modificar el estilo de texto del patrón</a:t>
             </a:r>
           </a:p>
@@ -3830,7 +3811,7 @@
           <a:p>
             <a:pPr algn="ctr"/>
             <a:r>
-              <a:rPr lang="es-CL" sz="2400" dirty="0" smtClean="0">
+              <a:rPr lang="es-CL" sz="2400" dirty="0">
                 <a:solidFill>
                   <a:srgbClr val="FF0000"/>
                 </a:solidFill>
@@ -3839,7 +3820,7 @@
               <a:t>R</a:t>
             </a:r>
             <a:r>
-              <a:rPr lang="es-CL" sz="2400" dirty="0" smtClean="0">
+              <a:rPr lang="es-CL" sz="2400" dirty="0">
                 <a:solidFill>
                   <a:srgbClr val="3366FF"/>
                 </a:solidFill>
@@ -3848,7 +3829,7 @@
               <a:t>e</a:t>
             </a:r>
             <a:r>
-              <a:rPr lang="es-CL" sz="2400" dirty="0" smtClean="0">
+              <a:rPr lang="es-CL" sz="2400" dirty="0">
                 <a:solidFill>
                   <a:srgbClr val="FFFF00"/>
                 </a:solidFill>
@@ -3857,7 +3838,7 @@
               <a:t>c</a:t>
             </a:r>
             <a:r>
-              <a:rPr lang="es-CL" sz="2400" dirty="0" smtClean="0">
+              <a:rPr lang="es-CL" sz="2400" dirty="0">
                 <a:solidFill>
                   <a:srgbClr val="00FF00"/>
                 </a:solidFill>
@@ -3866,7 +3847,7 @@
               <a:t>o</a:t>
             </a:r>
             <a:r>
-              <a:rPr lang="es-CL" sz="2400" dirty="0" smtClean="0">
+              <a:rPr lang="es-CL" sz="2400" dirty="0">
                 <a:solidFill>
                   <a:schemeClr val="bg1"/>
                 </a:solidFill>
@@ -3875,7 +3856,7 @@
               <a:t>n</a:t>
             </a:r>
             <a:r>
-              <a:rPr lang="es-CL" sz="2400" dirty="0" smtClean="0">
+              <a:rPr lang="es-CL" sz="2400" dirty="0">
                 <a:solidFill>
                   <a:srgbClr val="FF6600"/>
                 </a:solidFill>
@@ -3884,7 +3865,7 @@
               <a:t>o</a:t>
             </a:r>
             <a:r>
-              <a:rPr lang="es-CL" sz="2400" dirty="0" smtClean="0">
+              <a:rPr lang="es-CL" sz="2400" dirty="0">
                 <a:solidFill>
                   <a:srgbClr val="FF0000"/>
                 </a:solidFill>
@@ -3893,7 +3874,7 @@
               <a:t>c</a:t>
             </a:r>
             <a:r>
-              <a:rPr lang="es-CL" sz="2400" dirty="0" smtClean="0">
+              <a:rPr lang="es-CL" sz="2400" dirty="0">
                 <a:solidFill>
                   <a:srgbClr val="3366FF"/>
                 </a:solidFill>
@@ -3902,7 +3883,7 @@
               <a:t>i</a:t>
             </a:r>
             <a:r>
-              <a:rPr lang="es-CL" sz="2400" dirty="0" smtClean="0">
+              <a:rPr lang="es-CL" sz="2400" dirty="0">
                 <a:solidFill>
                   <a:schemeClr val="bg1"/>
                 </a:solidFill>
@@ -3911,7 +3892,7 @@
               <a:t>m</a:t>
             </a:r>
             <a:r>
-              <a:rPr lang="es-CL" sz="2400" dirty="0" smtClean="0">
+              <a:rPr lang="es-CL" sz="2400" dirty="0">
                 <a:solidFill>
                   <a:srgbClr val="FFFF00"/>
                 </a:solidFill>
@@ -3920,7 +3901,7 @@
               <a:t>i</a:t>
             </a:r>
             <a:r>
-              <a:rPr lang="es-CL" sz="2400" dirty="0" smtClean="0">
+              <a:rPr lang="es-CL" sz="2400" dirty="0">
                 <a:solidFill>
                   <a:srgbClr val="00FF00"/>
                 </a:solidFill>
@@ -3929,7 +3910,7 @@
               <a:t>e</a:t>
             </a:r>
             <a:r>
-              <a:rPr lang="es-CL" sz="2400" dirty="0" smtClean="0">
+              <a:rPr lang="es-CL" sz="2400" dirty="0">
                 <a:solidFill>
                   <a:schemeClr val="bg1"/>
                 </a:solidFill>
@@ -3938,7 +3919,7 @@
               <a:t>n</a:t>
             </a:r>
             <a:r>
-              <a:rPr lang="es-CL" sz="2400" dirty="0" smtClean="0">
+              <a:rPr lang="es-CL" sz="2400" dirty="0">
                 <a:solidFill>
                   <a:srgbClr val="FF6600"/>
                 </a:solidFill>
@@ -3947,7 +3928,7 @@
               <a:t>t</a:t>
             </a:r>
             <a:r>
-              <a:rPr lang="es-CL" sz="2400" dirty="0" smtClean="0">
+              <a:rPr lang="es-CL" sz="2400" dirty="0">
                 <a:solidFill>
                   <a:srgbClr val="FF0000"/>
                 </a:solidFill>
@@ -3956,7 +3937,7 @@
               <a:t>o</a:t>
             </a:r>
             <a:r>
-              <a:rPr lang="es-CL" sz="2400" dirty="0" smtClean="0">
+              <a:rPr lang="es-CL" sz="2400" dirty="0">
                 <a:solidFill>
                   <a:srgbClr val="3333CC"/>
                 </a:solidFill>
@@ -3965,7 +3946,7 @@
               <a:t> </a:t>
             </a:r>
             <a:r>
-              <a:rPr lang="es-CL" sz="2400" dirty="0" smtClean="0">
+              <a:rPr lang="es-CL" sz="2400" dirty="0">
                 <a:solidFill>
                   <a:srgbClr val="3366FF"/>
                 </a:solidFill>
@@ -3974,7 +3955,7 @@
               <a:t>d</a:t>
             </a:r>
             <a:r>
-              <a:rPr lang="es-CL" sz="2400" dirty="0" smtClean="0">
+              <a:rPr lang="es-CL" sz="2400" dirty="0">
                 <a:solidFill>
                   <a:srgbClr val="FFFF00"/>
                 </a:solidFill>
@@ -3983,7 +3964,7 @@
               <a:t>e </a:t>
             </a:r>
             <a:r>
-              <a:rPr lang="es-CL" sz="2400" dirty="0" smtClean="0">
+              <a:rPr lang="es-CL" sz="2400" dirty="0">
                 <a:solidFill>
                   <a:srgbClr val="00FF00"/>
                 </a:solidFill>
@@ -3992,7 +3973,7 @@
               <a:t>P</a:t>
             </a:r>
             <a:r>
-              <a:rPr lang="es-CL" sz="2400" dirty="0" smtClean="0">
+              <a:rPr lang="es-CL" sz="2400" dirty="0">
                 <a:solidFill>
                   <a:schemeClr val="bg1"/>
                 </a:solidFill>
@@ -4001,7 +3982,7 @@
               <a:t>a</a:t>
             </a:r>
             <a:r>
-              <a:rPr lang="es-CL" sz="2400" dirty="0" smtClean="0">
+              <a:rPr lang="es-CL" sz="2400" dirty="0">
                 <a:solidFill>
                   <a:srgbClr val="FF6600"/>
                 </a:solidFill>
@@ -4010,7 +3991,7 @@
               <a:t>t</a:t>
             </a:r>
             <a:r>
-              <a:rPr lang="es-CL" sz="2400" dirty="0" smtClean="0">
+              <a:rPr lang="es-CL" sz="2400" dirty="0">
                 <a:solidFill>
                   <a:srgbClr val="FF0000"/>
                 </a:solidFill>
@@ -4019,7 +4000,7 @@
               <a:t>r</a:t>
             </a:r>
             <a:r>
-              <a:rPr lang="es-CL" sz="2400" dirty="0" smtClean="0">
+              <a:rPr lang="es-CL" sz="2400" dirty="0">
                 <a:solidFill>
                   <a:srgbClr val="3366FF"/>
                 </a:solidFill>
@@ -4028,7 +4009,7 @@
               <a:t>o</a:t>
             </a:r>
             <a:r>
-              <a:rPr lang="es-CL" sz="2400" dirty="0" smtClean="0">
+              <a:rPr lang="es-CL" sz="2400" dirty="0">
                 <a:solidFill>
                   <a:srgbClr val="FFFF00"/>
                 </a:solidFill>
@@ -4037,7 +4018,7 @@
               <a:t>n</a:t>
             </a:r>
             <a:r>
-              <a:rPr lang="es-CL" sz="2400" dirty="0" smtClean="0">
+              <a:rPr lang="es-CL" sz="2400" dirty="0">
                 <a:solidFill>
                   <a:srgbClr val="00FF00"/>
                 </a:solidFill>
@@ -4046,7 +4027,7 @@
               <a:t>e</a:t>
             </a:r>
             <a:r>
-              <a:rPr lang="es-CL" sz="2400" dirty="0" smtClean="0">
+              <a:rPr lang="es-CL" sz="2400" dirty="0">
                 <a:solidFill>
                   <a:schemeClr val="bg1"/>
                 </a:solidFill>
@@ -4054,7 +4035,7 @@
               </a:rPr>
               <a:t>s</a:t>
             </a:r>
-            <a:endParaRPr lang="es-CL" sz="2400" dirty="0" smtClean="0">
+            <a:endParaRPr lang="es-CL" sz="2400" dirty="0">
               <a:solidFill>
                 <a:srgbClr val="FF0000"/>
               </a:solidFill>
@@ -4064,7 +4045,7 @@
           <a:p>
             <a:pPr algn="ctr"/>
             <a:r>
-              <a:rPr lang="es-CL" sz="2400" dirty="0" smtClean="0">
+              <a:rPr lang="es-CL" sz="2400" dirty="0">
                 <a:solidFill>
                   <a:schemeClr val="bg2">
                     <a:lumMod val="60000"/>
@@ -4075,19 +4056,10 @@
               </a:rPr>
               <a:t> </a:t>
             </a:r>
+          </a:p>
+          <a:p>
+            <a:pPr algn="ctr"/>
             <a:endParaRPr lang="es-CL" sz="2400" dirty="0">
-              <a:solidFill>
-                <a:schemeClr val="bg2">
-                  <a:lumMod val="60000"/>
-                  <a:lumOff val="40000"/>
-                </a:schemeClr>
-              </a:solidFill>
-              <a:latin typeface="Trebuchet MS" pitchFamily="34" charset="0"/>
-            </a:endParaRPr>
-          </a:p>
-          <a:p>
-            <a:pPr algn="ctr"/>
-            <a:endParaRPr lang="es-CL" sz="2400" dirty="0" smtClean="0">
               <a:solidFill>
                 <a:srgbClr val="3333CC"/>
               </a:solidFill>
@@ -4158,7 +4130,7 @@
           <a:p>
             <a:pPr algn="ctr"/>
             <a:r>
-              <a:rPr lang="es-CL" sz="1200" dirty="0" smtClean="0">
+              <a:rPr lang="es-CL" sz="1200" dirty="0">
                 <a:solidFill>
                   <a:schemeClr val="bg1">
                     <a:lumMod val="75000"/>
@@ -4166,21 +4138,13 @@
                 </a:solidFill>
                 <a:latin typeface="Trebuchet MS" pitchFamily="34" charset="0"/>
               </a:rPr>
-              <a:t>Departmento de Ciencia de la Computación</a:t>
-            </a:r>
-            <a:endParaRPr lang="es-CL" sz="1200" dirty="0">
-              <a:solidFill>
-                <a:schemeClr val="bg1">
-                  <a:lumMod val="75000"/>
-                </a:schemeClr>
-              </a:solidFill>
-              <a:latin typeface="Trebuchet MS" pitchFamily="34" charset="0"/>
-            </a:endParaRPr>
-          </a:p>
-          <a:p>
-            <a:pPr algn="ctr"/>
-            <a:r>
-              <a:rPr lang="es-CL" sz="1200" dirty="0" smtClean="0">
+              <a:t>Departamento de Ciencia de la Computación</a:t>
+            </a:r>
+          </a:p>
+          <a:p>
+            <a:pPr algn="ctr"/>
+            <a:r>
+              <a:rPr lang="es-CL" sz="1200" dirty="0">
                 <a:solidFill>
                   <a:schemeClr val="bg1">
                     <a:lumMod val="75000"/>
@@ -4194,7 +4158,7 @@
           <a:p>
             <a:pPr algn="ctr"/>
             <a:r>
-              <a:rPr lang="es-CL" sz="1200" dirty="0" smtClean="0">
+              <a:rPr lang="es-CL" sz="1200" dirty="0">
                 <a:solidFill>
                   <a:schemeClr val="bg1">
                     <a:lumMod val="75000"/>
@@ -4204,14 +4168,6 @@
               </a:rPr>
               <a:t>Universidad Católica de Chile</a:t>
             </a:r>
-            <a:endParaRPr lang="es-CL" sz="1200" dirty="0">
-              <a:solidFill>
-                <a:schemeClr val="bg1">
-                  <a:lumMod val="75000"/>
-                </a:schemeClr>
-              </a:solidFill>
-              <a:latin typeface="Trebuchet MS" pitchFamily="34" charset="0"/>
-            </a:endParaRPr>
           </a:p>
           <a:p>
             <a:pPr algn="ctr"/>
@@ -4515,7 +4471,7 @@
           <a:p>
             <a:pPr algn="ctr"/>
             <a:r>
-              <a:rPr lang="es-CL" sz="2400" b="1" dirty="0" smtClean="0">
+              <a:rPr lang="es-CL" sz="2400" b="1" dirty="0">
                 <a:solidFill>
                   <a:srgbClr val="FFFFFF"/>
                 </a:solidFill>
@@ -4527,7 +4483,7 @@
           </a:p>
           <a:p>
             <a:pPr algn="ctr"/>
-            <a:endParaRPr lang="es-CL" sz="1000" dirty="0" smtClean="0">
+            <a:endParaRPr lang="es-CL" sz="1000" dirty="0">
               <a:solidFill>
                 <a:srgbClr val="FFFFFF"/>
               </a:solidFill>
@@ -4538,7 +4494,7 @@
           <a:p>
             <a:pPr algn="ctr"/>
             <a:r>
-              <a:rPr lang="es-CL" sz="1000" dirty="0" smtClean="0">
+              <a:rPr lang="es-CL" sz="1000" dirty="0">
                 <a:solidFill>
                   <a:srgbClr val="FFFFFF"/>
                 </a:solidFill>
@@ -5700,7 +5656,7 @@
           <a:p>
             <a:pPr algn="ctr"/>
             <a:r>
-              <a:rPr lang="en-US" dirty="0" smtClean="0">
+              <a:rPr lang="en-US" dirty="0">
                 <a:latin typeface="Trebuchet MS"/>
                 <a:cs typeface="Trebuchet MS"/>
               </a:rPr>
@@ -5710,16 +5666,12 @@
           <a:p>
             <a:pPr algn="ctr"/>
             <a:r>
-              <a:rPr lang="en-US" dirty="0" smtClean="0">
+              <a:rPr lang="en-US" dirty="0">
                 <a:latin typeface="Trebuchet MS"/>
                 <a:cs typeface="Trebuchet MS"/>
               </a:rPr>
               <a:t>known classes</a:t>
             </a:r>
-            <a:endParaRPr lang="en-US" dirty="0">
-              <a:latin typeface="Trebuchet MS"/>
-              <a:cs typeface="Trebuchet MS"/>
-            </a:endParaRPr>
           </a:p>
         </p:txBody>
       </p:sp>
@@ -5747,16 +5699,12 @@
           <a:p>
             <a:pPr algn="ctr"/>
             <a:r>
-              <a:rPr lang="en-US" dirty="0" smtClean="0">
+              <a:rPr lang="en-US" dirty="0">
                 <a:latin typeface="Trebuchet MS"/>
                 <a:cs typeface="Trebuchet MS"/>
               </a:rPr>
               <a:t>Class 1 </a:t>
             </a:r>
-            <a:endParaRPr lang="en-US" dirty="0">
-              <a:latin typeface="Trebuchet MS"/>
-              <a:cs typeface="Trebuchet MS"/>
-            </a:endParaRPr>
           </a:p>
         </p:txBody>
       </p:sp>
@@ -5784,16 +5732,12 @@
           <a:p>
             <a:pPr algn="ctr"/>
             <a:r>
-              <a:rPr lang="en-US" dirty="0" smtClean="0">
+              <a:rPr lang="en-US" dirty="0">
                 <a:latin typeface="Trebuchet MS"/>
                 <a:cs typeface="Trebuchet MS"/>
               </a:rPr>
               <a:t>Class 2 </a:t>
             </a:r>
-            <a:endParaRPr lang="en-US" dirty="0">
-              <a:latin typeface="Trebuchet MS"/>
-              <a:cs typeface="Trebuchet MS"/>
-            </a:endParaRPr>
           </a:p>
         </p:txBody>
       </p:sp>
@@ -5821,16 +5765,12 @@
           <a:p>
             <a:pPr algn="ctr"/>
             <a:r>
-              <a:rPr lang="en-US" dirty="0" smtClean="0">
+              <a:rPr lang="en-US" dirty="0">
                 <a:latin typeface="Trebuchet MS"/>
                 <a:cs typeface="Trebuchet MS"/>
               </a:rPr>
               <a:t>Class n </a:t>
             </a:r>
-            <a:endParaRPr lang="en-US" dirty="0">
-              <a:latin typeface="Trebuchet MS"/>
-              <a:cs typeface="Trebuchet MS"/>
-            </a:endParaRPr>
           </a:p>
         </p:txBody>
       </p:sp>
@@ -6120,16 +6060,12 @@
           <a:lstStyle/>
           <a:p>
             <a:r>
-              <a:rPr lang="en-US" dirty="0" smtClean="0">
+              <a:rPr lang="en-US" dirty="0">
                 <a:latin typeface="Trebuchet MS"/>
                 <a:cs typeface="Trebuchet MS"/>
               </a:rPr>
               <a:t>Stage 1:                    </a:t>
             </a:r>
-            <a:endParaRPr lang="en-US" dirty="0">
-              <a:latin typeface="Trebuchet MS"/>
-              <a:cs typeface="Trebuchet MS"/>
-            </a:endParaRPr>
           </a:p>
         </p:txBody>
       </p:sp>
@@ -6161,16 +6097,12 @@
           <a:lstStyle/>
           <a:p>
             <a:r>
-              <a:rPr lang="en-US" dirty="0" smtClean="0">
+              <a:rPr lang="en-US" dirty="0">
                 <a:latin typeface="Trebuchet MS"/>
                 <a:cs typeface="Trebuchet MS"/>
               </a:rPr>
               <a:t>Stage 2:                    </a:t>
             </a:r>
-            <a:endParaRPr lang="en-US" dirty="0">
-              <a:latin typeface="Trebuchet MS"/>
-              <a:cs typeface="Trebuchet MS"/>
-            </a:endParaRPr>
           </a:p>
         </p:txBody>
       </p:sp>
@@ -6486,16 +6418,12 @@
           <a:lstStyle/>
           <a:p>
             <a:r>
-              <a:rPr lang="en-US" dirty="0" smtClean="0">
+              <a:rPr lang="en-US" dirty="0">
                 <a:latin typeface="Trebuchet MS"/>
                 <a:cs typeface="Trebuchet MS"/>
               </a:rPr>
               <a:t>Output:              </a:t>
             </a:r>
-            <a:endParaRPr lang="en-US" dirty="0">
-              <a:latin typeface="Trebuchet MS"/>
-              <a:cs typeface="Trebuchet MS"/>
-            </a:endParaRPr>
           </a:p>
         </p:txBody>
       </p:sp>
@@ -6527,14 +6455,14 @@
           <a:lstStyle/>
           <a:p>
             <a:r>
-              <a:rPr lang="en-US" dirty="0" err="1" smtClean="0">
+              <a:rPr lang="en-US" dirty="0" err="1">
                 <a:latin typeface="Trebuchet MS"/>
                 <a:cs typeface="Trebuchet MS"/>
               </a:rPr>
               <a:t>Input</a:t>
             </a:r>
             <a:r>
-              <a:rPr lang="en-US" sz="2400" dirty="0" err="1" smtClean="0">
+              <a:rPr lang="en-US" sz="2400" dirty="0" err="1">
                 <a:solidFill>
                   <a:schemeClr val="bg1"/>
                 </a:solidFill>
@@ -6544,16 +6472,12 @@
               <a:t>A</a:t>
             </a:r>
             <a:r>
-              <a:rPr lang="en-US" dirty="0" smtClean="0">
+              <a:rPr lang="en-US" dirty="0">
                 <a:latin typeface="Trebuchet MS"/>
                 <a:cs typeface="Trebuchet MS"/>
               </a:rPr>
               <a:t>:              </a:t>
             </a:r>
-            <a:endParaRPr lang="en-US" dirty="0">
-              <a:latin typeface="Trebuchet MS"/>
-              <a:cs typeface="Trebuchet MS"/>
-            </a:endParaRPr>
           </a:p>
         </p:txBody>
       </p:sp>
@@ -6567,13 +6491,6 @@
   <p:clrMapOvr>
     <a:masterClrMapping/>
   </p:clrMapOvr>
-  <p:timing>
-    <p:tnLst>
-      <p:par>
-        <p:cTn id="1" dur="indefinite" restart="never" nodeType="tmRoot"/>
-      </p:par>
-    </p:tnLst>
-  </p:timing>
 </p:sld>
 </file>
 
@@ -7213,7 +7130,7 @@
           <a:p>
             <a:pPr algn="ctr"/>
             <a:r>
-              <a:rPr lang="en-US" dirty="0" smtClean="0">
+              <a:rPr lang="en-US" dirty="0">
                 <a:latin typeface="Trebuchet MS"/>
                 <a:cs typeface="Trebuchet MS"/>
               </a:rPr>
@@ -7223,16 +7140,12 @@
           <a:p>
             <a:pPr algn="ctr"/>
             <a:r>
-              <a:rPr lang="en-US" dirty="0" smtClean="0">
+              <a:rPr lang="en-US" dirty="0">
                 <a:latin typeface="Trebuchet MS"/>
                 <a:cs typeface="Trebuchet MS"/>
               </a:rPr>
               <a:t>known classes</a:t>
             </a:r>
-            <a:endParaRPr lang="en-US" dirty="0">
-              <a:latin typeface="Trebuchet MS"/>
-              <a:cs typeface="Trebuchet MS"/>
-            </a:endParaRPr>
           </a:p>
         </p:txBody>
       </p:sp>
@@ -7260,16 +7173,12 @@
           <a:p>
             <a:pPr algn="ctr"/>
             <a:r>
-              <a:rPr lang="en-US" dirty="0" smtClean="0">
+              <a:rPr lang="en-US" dirty="0">
                 <a:latin typeface="Trebuchet MS"/>
                 <a:cs typeface="Trebuchet MS"/>
               </a:rPr>
               <a:t>Class 1 </a:t>
             </a:r>
-            <a:endParaRPr lang="en-US" dirty="0">
-              <a:latin typeface="Trebuchet MS"/>
-              <a:cs typeface="Trebuchet MS"/>
-            </a:endParaRPr>
           </a:p>
         </p:txBody>
       </p:sp>
@@ -7297,16 +7206,12 @@
           <a:p>
             <a:pPr algn="ctr"/>
             <a:r>
-              <a:rPr lang="en-US" dirty="0" smtClean="0">
+              <a:rPr lang="en-US" dirty="0">
                 <a:latin typeface="Trebuchet MS"/>
                 <a:cs typeface="Trebuchet MS"/>
               </a:rPr>
               <a:t>Class 2 </a:t>
             </a:r>
-            <a:endParaRPr lang="en-US" dirty="0">
-              <a:latin typeface="Trebuchet MS"/>
-              <a:cs typeface="Trebuchet MS"/>
-            </a:endParaRPr>
           </a:p>
         </p:txBody>
       </p:sp>
@@ -7334,16 +7239,12 @@
           <a:p>
             <a:pPr algn="ctr"/>
             <a:r>
-              <a:rPr lang="en-US" dirty="0" smtClean="0">
+              <a:rPr lang="en-US" dirty="0">
                 <a:latin typeface="Trebuchet MS"/>
                 <a:cs typeface="Trebuchet MS"/>
               </a:rPr>
               <a:t>Class n </a:t>
             </a:r>
-            <a:endParaRPr lang="en-US" dirty="0">
-              <a:latin typeface="Trebuchet MS"/>
-              <a:cs typeface="Trebuchet MS"/>
-            </a:endParaRPr>
           </a:p>
         </p:txBody>
       </p:sp>
@@ -7633,14 +7534,14 @@
           <a:lstStyle/>
           <a:p>
             <a:r>
-              <a:rPr lang="en-US" dirty="0" smtClean="0">
+              <a:rPr lang="en-US" dirty="0">
                 <a:latin typeface="Trebuchet MS"/>
                 <a:cs typeface="Trebuchet MS"/>
               </a:rPr>
               <a:t>Stage 1:   </a:t>
             </a:r>
             <a:r>
-              <a:rPr lang="en-US" b="1" dirty="0" smtClean="0">
+              <a:rPr lang="en-US" b="1" dirty="0">
                 <a:solidFill>
                   <a:srgbClr val="FF0000"/>
                 </a:solidFill>
@@ -7650,16 +7551,12 @@
               <a:t>???</a:t>
             </a:r>
             <a:r>
-              <a:rPr lang="en-US" dirty="0" smtClean="0">
+              <a:rPr lang="en-US" dirty="0">
                 <a:latin typeface="Trebuchet MS"/>
                 <a:cs typeface="Trebuchet MS"/>
               </a:rPr>
               <a:t>                    </a:t>
             </a:r>
-            <a:endParaRPr lang="en-US" dirty="0">
-              <a:latin typeface="Trebuchet MS"/>
-              <a:cs typeface="Trebuchet MS"/>
-            </a:endParaRPr>
           </a:p>
         </p:txBody>
       </p:sp>
@@ -7691,21 +7588,11 @@
           <a:lstStyle/>
           <a:p>
             <a:r>
-              <a:rPr lang="en-US" dirty="0" smtClean="0">
+              <a:rPr lang="en-US" dirty="0">
                 <a:latin typeface="Trebuchet MS"/>
                 <a:cs typeface="Trebuchet MS"/>
               </a:rPr>
               <a:t>Stage 2:   </a:t>
-            </a:r>
-            <a:r>
-              <a:rPr lang="en-US" b="1" dirty="0" smtClean="0">
-                <a:solidFill>
-                  <a:srgbClr val="FF0000"/>
-                </a:solidFill>
-                <a:latin typeface="Trebuchet MS"/>
-                <a:cs typeface="Trebuchet MS"/>
-              </a:rPr>
-              <a:t>?</a:t>
             </a:r>
             <a:r>
               <a:rPr lang="en-US" b="1" dirty="0">
@@ -7715,19 +7602,15 @@
                 <a:latin typeface="Trebuchet MS"/>
                 <a:cs typeface="Trebuchet MS"/>
               </a:rPr>
-              <a:t>??</a:t>
-            </a:r>
-            <a:r>
-              <a:rPr lang="en-US" dirty="0" smtClean="0">
+              <a:t>???</a:t>
+            </a:r>
+            <a:r>
+              <a:rPr lang="en-US" dirty="0">
                 <a:latin typeface="Trebuchet MS"/>
                 <a:cs typeface="Trebuchet MS"/>
               </a:rPr>
               <a:t>                    </a:t>
             </a:r>
-            <a:endParaRPr lang="en-US" dirty="0">
-              <a:latin typeface="Trebuchet MS"/>
-              <a:cs typeface="Trebuchet MS"/>
-            </a:endParaRPr>
           </a:p>
         </p:txBody>
       </p:sp>
@@ -8043,16 +7926,12 @@
           <a:lstStyle/>
           <a:p>
             <a:r>
-              <a:rPr lang="en-US" dirty="0" smtClean="0">
+              <a:rPr lang="en-US" dirty="0">
                 <a:latin typeface="Trebuchet MS"/>
                 <a:cs typeface="Trebuchet MS"/>
               </a:rPr>
               <a:t>Output:              </a:t>
             </a:r>
-            <a:endParaRPr lang="en-US" dirty="0">
-              <a:latin typeface="Trebuchet MS"/>
-              <a:cs typeface="Trebuchet MS"/>
-            </a:endParaRPr>
           </a:p>
         </p:txBody>
       </p:sp>
@@ -8084,14 +7963,14 @@
           <a:lstStyle/>
           <a:p>
             <a:r>
-              <a:rPr lang="en-US" dirty="0" err="1" smtClean="0">
+              <a:rPr lang="en-US" dirty="0" err="1">
                 <a:latin typeface="Trebuchet MS"/>
                 <a:cs typeface="Trebuchet MS"/>
               </a:rPr>
               <a:t>Input</a:t>
             </a:r>
             <a:r>
-              <a:rPr lang="en-US" sz="2400" dirty="0" err="1" smtClean="0">
+              <a:rPr lang="en-US" sz="2400" dirty="0" err="1">
                 <a:solidFill>
                   <a:schemeClr val="bg1"/>
                 </a:solidFill>
@@ -8101,21 +7980,11 @@
               <a:t>A</a:t>
             </a:r>
             <a:r>
-              <a:rPr lang="en-US" dirty="0" smtClean="0">
+              <a:rPr lang="en-US" dirty="0">
                 <a:latin typeface="Trebuchet MS"/>
                 <a:cs typeface="Trebuchet MS"/>
               </a:rPr>
               <a:t>:     </a:t>
-            </a:r>
-            <a:r>
-              <a:rPr lang="en-US" b="1" dirty="0" smtClean="0">
-                <a:solidFill>
-                  <a:srgbClr val="FF0000"/>
-                </a:solidFill>
-                <a:latin typeface="Trebuchet MS"/>
-                <a:cs typeface="Trebuchet MS"/>
-              </a:rPr>
-              <a:t>?</a:t>
             </a:r>
             <a:r>
               <a:rPr lang="en-US" b="1" dirty="0">
@@ -8125,19 +7994,15 @@
                 <a:latin typeface="Trebuchet MS"/>
                 <a:cs typeface="Trebuchet MS"/>
               </a:rPr>
-              <a:t>??</a:t>
-            </a:r>
-            <a:r>
-              <a:rPr lang="en-US" dirty="0" smtClean="0">
+              <a:t>???</a:t>
+            </a:r>
+            <a:r>
+              <a:rPr lang="en-US" dirty="0">
                 <a:latin typeface="Trebuchet MS"/>
                 <a:cs typeface="Trebuchet MS"/>
               </a:rPr>
               <a:t>              </a:t>
             </a:r>
-            <a:endParaRPr lang="en-US" dirty="0">
-              <a:latin typeface="Trebuchet MS"/>
-              <a:cs typeface="Trebuchet MS"/>
-            </a:endParaRPr>
           </a:p>
         </p:txBody>
       </p:sp>
@@ -8171,17 +8036,7 @@
                 <a:latin typeface="Trebuchet MS"/>
                 <a:cs typeface="Trebuchet MS"/>
               </a:rPr>
-              <a:t>??</a:t>
-            </a:r>
-            <a:r>
-              <a:rPr lang="en-US" b="1" dirty="0" smtClean="0">
-                <a:solidFill>
-                  <a:srgbClr val="FF0000"/>
-                </a:solidFill>
-                <a:latin typeface="Trebuchet MS"/>
-                <a:cs typeface="Trebuchet MS"/>
-              </a:rPr>
-              <a:t>?                      ???                   ???</a:t>
+              <a:t>???                      ???                   ???</a:t>
             </a:r>
             <a:endParaRPr lang="en-US" dirty="0"/>
           </a:p>
@@ -8217,17 +8072,7 @@
                 <a:latin typeface="Trebuchet MS"/>
                 <a:cs typeface="Trebuchet MS"/>
               </a:rPr>
-              <a:t>??</a:t>
-            </a:r>
-            <a:r>
-              <a:rPr lang="en-US" b="1" dirty="0" smtClean="0">
-                <a:solidFill>
-                  <a:srgbClr val="FF0000"/>
-                </a:solidFill>
-                <a:latin typeface="Trebuchet MS"/>
-                <a:cs typeface="Trebuchet MS"/>
-              </a:rPr>
-              <a:t>?                    ???                              ???</a:t>
+              <a:t>???                    ???                              ???</a:t>
             </a:r>
             <a:endParaRPr lang="en-US" dirty="0"/>
           </a:p>
@@ -8243,13 +8088,6 @@
   <p:clrMapOvr>
     <a:masterClrMapping/>
   </p:clrMapOvr>
-  <p:timing>
-    <p:tnLst>
-      <p:par>
-        <p:cTn id="1" dur="indefinite" restart="never" nodeType="tmRoot"/>
-      </p:par>
-    </p:tnLst>
-  </p:timing>
 </p:sld>
 </file>
 
@@ -8889,7 +8727,7 @@
           <a:p>
             <a:pPr algn="ctr"/>
             <a:r>
-              <a:rPr lang="en-US" dirty="0" smtClean="0">
+              <a:rPr lang="en-US" dirty="0">
                 <a:latin typeface="Trebuchet MS"/>
                 <a:cs typeface="Trebuchet MS"/>
               </a:rPr>
@@ -8899,16 +8737,12 @@
           <a:p>
             <a:pPr algn="ctr"/>
             <a:r>
-              <a:rPr lang="en-US" dirty="0" smtClean="0">
+              <a:rPr lang="en-US" dirty="0">
                 <a:latin typeface="Trebuchet MS"/>
                 <a:cs typeface="Trebuchet MS"/>
               </a:rPr>
               <a:t>known classes</a:t>
             </a:r>
-            <a:endParaRPr lang="en-US" dirty="0">
-              <a:latin typeface="Trebuchet MS"/>
-              <a:cs typeface="Trebuchet MS"/>
-            </a:endParaRPr>
           </a:p>
         </p:txBody>
       </p:sp>
@@ -8936,16 +8770,12 @@
           <a:p>
             <a:pPr algn="ctr"/>
             <a:r>
-              <a:rPr lang="en-US" dirty="0" smtClean="0">
+              <a:rPr lang="en-US" dirty="0">
                 <a:latin typeface="Trebuchet MS"/>
                 <a:cs typeface="Trebuchet MS"/>
               </a:rPr>
               <a:t>Class 1 </a:t>
             </a:r>
-            <a:endParaRPr lang="en-US" dirty="0">
-              <a:latin typeface="Trebuchet MS"/>
-              <a:cs typeface="Trebuchet MS"/>
-            </a:endParaRPr>
           </a:p>
         </p:txBody>
       </p:sp>
@@ -8973,16 +8803,12 @@
           <a:p>
             <a:pPr algn="ctr"/>
             <a:r>
-              <a:rPr lang="en-US" dirty="0" smtClean="0">
+              <a:rPr lang="en-US" dirty="0">
                 <a:latin typeface="Trebuchet MS"/>
                 <a:cs typeface="Trebuchet MS"/>
               </a:rPr>
               <a:t>Class 2 </a:t>
             </a:r>
-            <a:endParaRPr lang="en-US" dirty="0">
-              <a:latin typeface="Trebuchet MS"/>
-              <a:cs typeface="Trebuchet MS"/>
-            </a:endParaRPr>
           </a:p>
         </p:txBody>
       </p:sp>
@@ -9010,16 +8836,12 @@
           <a:p>
             <a:pPr algn="ctr"/>
             <a:r>
-              <a:rPr lang="en-US" dirty="0" smtClean="0">
+              <a:rPr lang="en-US" dirty="0">
                 <a:latin typeface="Trebuchet MS"/>
                 <a:cs typeface="Trebuchet MS"/>
               </a:rPr>
               <a:t>Class n </a:t>
             </a:r>
-            <a:endParaRPr lang="en-US" dirty="0">
-              <a:latin typeface="Trebuchet MS"/>
-              <a:cs typeface="Trebuchet MS"/>
-            </a:endParaRPr>
           </a:p>
         </p:txBody>
       </p:sp>
@@ -9309,14 +9131,14 @@
           <a:lstStyle/>
           <a:p>
             <a:r>
-              <a:rPr lang="en-US" dirty="0" smtClean="0">
+              <a:rPr lang="en-US" dirty="0">
                 <a:latin typeface="Trebuchet MS"/>
                 <a:cs typeface="Trebuchet MS"/>
               </a:rPr>
               <a:t>Stage 1:   </a:t>
             </a:r>
             <a:r>
-              <a:rPr lang="en-US" b="1" dirty="0" smtClean="0">
+              <a:rPr lang="en-US" b="1" dirty="0">
                 <a:solidFill>
                   <a:srgbClr val="FF0000"/>
                 </a:solidFill>
@@ -9326,16 +9148,12 @@
               <a:t>TRAINING</a:t>
             </a:r>
             <a:r>
-              <a:rPr lang="en-US" dirty="0" smtClean="0">
+              <a:rPr lang="en-US" dirty="0">
                 <a:latin typeface="Trebuchet MS"/>
                 <a:cs typeface="Trebuchet MS"/>
               </a:rPr>
               <a:t>                    </a:t>
             </a:r>
-            <a:endParaRPr lang="en-US" dirty="0">
-              <a:latin typeface="Trebuchet MS"/>
-              <a:cs typeface="Trebuchet MS"/>
-            </a:endParaRPr>
           </a:p>
         </p:txBody>
       </p:sp>
@@ -9367,14 +9185,14 @@
           <a:lstStyle/>
           <a:p>
             <a:r>
-              <a:rPr lang="en-US" dirty="0" smtClean="0">
+              <a:rPr lang="en-US" dirty="0">
                 <a:latin typeface="Trebuchet MS"/>
                 <a:cs typeface="Trebuchet MS"/>
               </a:rPr>
               <a:t>Stage 2:   </a:t>
             </a:r>
             <a:r>
-              <a:rPr lang="en-US" b="1" dirty="0" smtClean="0">
+              <a:rPr lang="en-US" b="1" dirty="0">
                 <a:solidFill>
                   <a:srgbClr val="FF0000"/>
                 </a:solidFill>
@@ -9384,16 +9202,12 @@
               <a:t>TESTING</a:t>
             </a:r>
             <a:r>
-              <a:rPr lang="en-US" dirty="0" smtClean="0">
+              <a:rPr lang="en-US" dirty="0">
                 <a:latin typeface="Trebuchet MS"/>
                 <a:cs typeface="Trebuchet MS"/>
               </a:rPr>
               <a:t>                   </a:t>
             </a:r>
-            <a:endParaRPr lang="en-US" dirty="0">
-              <a:latin typeface="Trebuchet MS"/>
-              <a:cs typeface="Trebuchet MS"/>
-            </a:endParaRPr>
           </a:p>
         </p:txBody>
       </p:sp>
@@ -9709,16 +9523,12 @@
           <a:lstStyle/>
           <a:p>
             <a:r>
-              <a:rPr lang="en-US" dirty="0" smtClean="0">
+              <a:rPr lang="en-US" dirty="0">
                 <a:latin typeface="Trebuchet MS"/>
                 <a:cs typeface="Trebuchet MS"/>
               </a:rPr>
               <a:t>Output:              </a:t>
             </a:r>
-            <a:endParaRPr lang="en-US" dirty="0">
-              <a:latin typeface="Trebuchet MS"/>
-              <a:cs typeface="Trebuchet MS"/>
-            </a:endParaRPr>
           </a:p>
         </p:txBody>
       </p:sp>
@@ -9750,14 +9560,14 @@
           <a:lstStyle/>
           <a:p>
             <a:r>
-              <a:rPr lang="en-US" dirty="0" err="1" smtClean="0">
+              <a:rPr lang="en-US" dirty="0" err="1">
                 <a:latin typeface="Trebuchet MS"/>
                 <a:cs typeface="Trebuchet MS"/>
               </a:rPr>
               <a:t>Input</a:t>
             </a:r>
             <a:r>
-              <a:rPr lang="en-US" sz="2400" dirty="0" err="1" smtClean="0">
+              <a:rPr lang="en-US" sz="2400" dirty="0" err="1">
                 <a:solidFill>
                   <a:schemeClr val="bg1"/>
                 </a:solidFill>
@@ -9767,21 +9577,11 @@
               <a:t>A</a:t>
             </a:r>
             <a:r>
-              <a:rPr lang="en-US" dirty="0" smtClean="0">
+              <a:rPr lang="en-US" dirty="0">
                 <a:latin typeface="Trebuchet MS"/>
                 <a:cs typeface="Trebuchet MS"/>
               </a:rPr>
               <a:t>:     </a:t>
-            </a:r>
-            <a:r>
-              <a:rPr lang="en-US" b="1" dirty="0" smtClean="0">
-                <a:solidFill>
-                  <a:srgbClr val="FF0000"/>
-                </a:solidFill>
-                <a:latin typeface="Trebuchet MS"/>
-                <a:cs typeface="Trebuchet MS"/>
-              </a:rPr>
-              <a:t>?</a:t>
             </a:r>
             <a:r>
               <a:rPr lang="en-US" b="1" dirty="0">
@@ -9791,19 +9591,15 @@
                 <a:latin typeface="Trebuchet MS"/>
                 <a:cs typeface="Trebuchet MS"/>
               </a:rPr>
-              <a:t>??</a:t>
-            </a:r>
-            <a:r>
-              <a:rPr lang="en-US" dirty="0" smtClean="0">
+              <a:t>???</a:t>
+            </a:r>
+            <a:r>
+              <a:rPr lang="en-US" dirty="0">
                 <a:latin typeface="Trebuchet MS"/>
                 <a:cs typeface="Trebuchet MS"/>
               </a:rPr>
               <a:t>              </a:t>
             </a:r>
-            <a:endParaRPr lang="en-US" dirty="0">
-              <a:latin typeface="Trebuchet MS"/>
-              <a:cs typeface="Trebuchet MS"/>
-            </a:endParaRPr>
           </a:p>
         </p:txBody>
       </p:sp>
@@ -9837,17 +9633,7 @@
                 <a:latin typeface="Trebuchet MS"/>
                 <a:cs typeface="Trebuchet MS"/>
               </a:rPr>
-              <a:t>??</a:t>
-            </a:r>
-            <a:r>
-              <a:rPr lang="en-US" b="1" dirty="0" smtClean="0">
-                <a:solidFill>
-                  <a:srgbClr val="FF0000"/>
-                </a:solidFill>
-                <a:latin typeface="Trebuchet MS"/>
-                <a:cs typeface="Trebuchet MS"/>
-              </a:rPr>
-              <a:t>?                      ???                   ???</a:t>
+              <a:t>???                      ???                   ???</a:t>
             </a:r>
             <a:endParaRPr lang="en-US" dirty="0"/>
           </a:p>
@@ -9883,17 +9669,7 @@
                 <a:latin typeface="Trebuchet MS"/>
                 <a:cs typeface="Trebuchet MS"/>
               </a:rPr>
-              <a:t>??</a:t>
-            </a:r>
-            <a:r>
-              <a:rPr lang="en-US" b="1" dirty="0" smtClean="0">
-                <a:solidFill>
-                  <a:srgbClr val="FF0000"/>
-                </a:solidFill>
-                <a:latin typeface="Trebuchet MS"/>
-                <a:cs typeface="Trebuchet MS"/>
-              </a:rPr>
-              <a:t>?                    ???                              ???</a:t>
+              <a:t>???                    ???                              ???</a:t>
             </a:r>
             <a:endParaRPr lang="en-US" dirty="0"/>
           </a:p>
@@ -9909,13 +9685,6 @@
   <p:clrMapOvr>
     <a:masterClrMapping/>
   </p:clrMapOvr>
-  <p:timing>
-    <p:tnLst>
-      <p:par>
-        <p:cTn id="1" dur="indefinite" restart="never" nodeType="tmRoot"/>
-      </p:par>
-    </p:tnLst>
-  </p:timing>
 </p:sld>
 </file>
 
@@ -10555,7 +10324,7 @@
           <a:p>
             <a:pPr algn="ctr"/>
             <a:r>
-              <a:rPr lang="en-US" dirty="0" smtClean="0">
+              <a:rPr lang="en-US" dirty="0">
                 <a:latin typeface="Trebuchet MS"/>
                 <a:cs typeface="Trebuchet MS"/>
               </a:rPr>
@@ -10565,16 +10334,12 @@
           <a:p>
             <a:pPr algn="ctr"/>
             <a:r>
-              <a:rPr lang="en-US" dirty="0" smtClean="0">
+              <a:rPr lang="en-US" dirty="0">
                 <a:latin typeface="Trebuchet MS"/>
                 <a:cs typeface="Trebuchet MS"/>
               </a:rPr>
               <a:t>known classes</a:t>
             </a:r>
-            <a:endParaRPr lang="en-US" dirty="0">
-              <a:latin typeface="Trebuchet MS"/>
-              <a:cs typeface="Trebuchet MS"/>
-            </a:endParaRPr>
           </a:p>
         </p:txBody>
       </p:sp>
@@ -10602,16 +10367,12 @@
           <a:p>
             <a:pPr algn="ctr"/>
             <a:r>
-              <a:rPr lang="en-US" dirty="0" smtClean="0">
+              <a:rPr lang="en-US" dirty="0">
                 <a:latin typeface="Trebuchet MS"/>
                 <a:cs typeface="Trebuchet MS"/>
               </a:rPr>
               <a:t>Class 1 </a:t>
             </a:r>
-            <a:endParaRPr lang="en-US" dirty="0">
-              <a:latin typeface="Trebuchet MS"/>
-              <a:cs typeface="Trebuchet MS"/>
-            </a:endParaRPr>
           </a:p>
         </p:txBody>
       </p:sp>
@@ -10639,16 +10400,12 @@
           <a:p>
             <a:pPr algn="ctr"/>
             <a:r>
-              <a:rPr lang="en-US" dirty="0" smtClean="0">
+              <a:rPr lang="en-US" dirty="0">
                 <a:latin typeface="Trebuchet MS"/>
                 <a:cs typeface="Trebuchet MS"/>
               </a:rPr>
               <a:t>Class 2 </a:t>
             </a:r>
-            <a:endParaRPr lang="en-US" dirty="0">
-              <a:latin typeface="Trebuchet MS"/>
-              <a:cs typeface="Trebuchet MS"/>
-            </a:endParaRPr>
           </a:p>
         </p:txBody>
       </p:sp>
@@ -10676,16 +10433,12 @@
           <a:p>
             <a:pPr algn="ctr"/>
             <a:r>
-              <a:rPr lang="en-US" dirty="0" smtClean="0">
+              <a:rPr lang="en-US" dirty="0">
                 <a:latin typeface="Trebuchet MS"/>
                 <a:cs typeface="Trebuchet MS"/>
               </a:rPr>
               <a:t>Class n </a:t>
             </a:r>
-            <a:endParaRPr lang="en-US" dirty="0">
-              <a:latin typeface="Trebuchet MS"/>
-              <a:cs typeface="Trebuchet MS"/>
-            </a:endParaRPr>
           </a:p>
         </p:txBody>
       </p:sp>
@@ -10975,14 +10728,14 @@
           <a:lstStyle/>
           <a:p>
             <a:r>
-              <a:rPr lang="en-US" dirty="0" smtClean="0">
+              <a:rPr lang="en-US" dirty="0">
                 <a:latin typeface="Trebuchet MS"/>
                 <a:cs typeface="Trebuchet MS"/>
               </a:rPr>
               <a:t>Stage 1:   </a:t>
             </a:r>
             <a:r>
-              <a:rPr lang="en-US" b="1" dirty="0" smtClean="0">
+              <a:rPr lang="en-US" b="1" dirty="0">
                 <a:solidFill>
                   <a:srgbClr val="FF0000"/>
                 </a:solidFill>
@@ -10992,16 +10745,12 @@
               <a:t>TRAINING</a:t>
             </a:r>
             <a:r>
-              <a:rPr lang="en-US" dirty="0" smtClean="0">
+              <a:rPr lang="en-US" dirty="0">
                 <a:latin typeface="Trebuchet MS"/>
                 <a:cs typeface="Trebuchet MS"/>
               </a:rPr>
               <a:t>                    </a:t>
             </a:r>
-            <a:endParaRPr lang="en-US" dirty="0">
-              <a:latin typeface="Trebuchet MS"/>
-              <a:cs typeface="Trebuchet MS"/>
-            </a:endParaRPr>
           </a:p>
         </p:txBody>
       </p:sp>
@@ -11033,14 +10782,14 @@
           <a:lstStyle/>
           <a:p>
             <a:r>
-              <a:rPr lang="en-US" dirty="0" smtClean="0">
+              <a:rPr lang="en-US" dirty="0">
                 <a:latin typeface="Trebuchet MS"/>
                 <a:cs typeface="Trebuchet MS"/>
               </a:rPr>
               <a:t>Stage 2:   </a:t>
             </a:r>
             <a:r>
-              <a:rPr lang="en-US" b="1" dirty="0" smtClean="0">
+              <a:rPr lang="en-US" b="1" dirty="0">
                 <a:solidFill>
                   <a:srgbClr val="FF0000"/>
                 </a:solidFill>
@@ -11050,16 +10799,12 @@
               <a:t>TESTING</a:t>
             </a:r>
             <a:r>
-              <a:rPr lang="en-US" dirty="0" smtClean="0">
+              <a:rPr lang="en-US" dirty="0">
                 <a:latin typeface="Trebuchet MS"/>
                 <a:cs typeface="Trebuchet MS"/>
               </a:rPr>
               <a:t>                   </a:t>
             </a:r>
-            <a:endParaRPr lang="en-US" dirty="0">
-              <a:latin typeface="Trebuchet MS"/>
-              <a:cs typeface="Trebuchet MS"/>
-            </a:endParaRPr>
           </a:p>
         </p:txBody>
       </p:sp>
@@ -11375,16 +11120,12 @@
           <a:lstStyle/>
           <a:p>
             <a:r>
-              <a:rPr lang="en-US" dirty="0" smtClean="0">
+              <a:rPr lang="en-US" dirty="0">
                 <a:latin typeface="Trebuchet MS"/>
                 <a:cs typeface="Trebuchet MS"/>
               </a:rPr>
               <a:t>Output:              </a:t>
             </a:r>
-            <a:endParaRPr lang="en-US" dirty="0">
-              <a:latin typeface="Trebuchet MS"/>
-              <a:cs typeface="Trebuchet MS"/>
-            </a:endParaRPr>
           </a:p>
         </p:txBody>
       </p:sp>
@@ -11416,14 +11157,14 @@
           <a:lstStyle/>
           <a:p>
             <a:r>
-              <a:rPr lang="en-US" dirty="0" err="1" smtClean="0">
+              <a:rPr lang="en-US" dirty="0" err="1">
                 <a:latin typeface="Trebuchet MS"/>
                 <a:cs typeface="Trebuchet MS"/>
               </a:rPr>
               <a:t>Input</a:t>
             </a:r>
             <a:r>
-              <a:rPr lang="en-US" sz="2400" dirty="0" err="1" smtClean="0">
+              <a:rPr lang="en-US" sz="2400" dirty="0" err="1">
                 <a:solidFill>
                   <a:schemeClr val="bg1"/>
                 </a:solidFill>
@@ -11433,21 +11174,11 @@
               <a:t>A</a:t>
             </a:r>
             <a:r>
-              <a:rPr lang="en-US" dirty="0" smtClean="0">
+              <a:rPr lang="en-US" dirty="0">
                 <a:latin typeface="Trebuchet MS"/>
                 <a:cs typeface="Trebuchet MS"/>
               </a:rPr>
               <a:t>:     </a:t>
-            </a:r>
-            <a:r>
-              <a:rPr lang="en-US" b="1" dirty="0" smtClean="0">
-                <a:solidFill>
-                  <a:srgbClr val="FF0000"/>
-                </a:solidFill>
-                <a:latin typeface="Trebuchet MS"/>
-                <a:cs typeface="Trebuchet MS"/>
-              </a:rPr>
-              <a:t>?</a:t>
             </a:r>
             <a:r>
               <a:rPr lang="en-US" b="1" dirty="0">
@@ -11457,19 +11188,15 @@
                 <a:latin typeface="Trebuchet MS"/>
                 <a:cs typeface="Trebuchet MS"/>
               </a:rPr>
-              <a:t>??</a:t>
-            </a:r>
-            <a:r>
-              <a:rPr lang="en-US" dirty="0" smtClean="0">
+              <a:t>???</a:t>
+            </a:r>
+            <a:r>
+              <a:rPr lang="en-US" dirty="0">
                 <a:latin typeface="Trebuchet MS"/>
                 <a:cs typeface="Trebuchet MS"/>
               </a:rPr>
               <a:t>              </a:t>
             </a:r>
-            <a:endParaRPr lang="en-US" dirty="0">
-              <a:latin typeface="Trebuchet MS"/>
-              <a:cs typeface="Trebuchet MS"/>
-            </a:endParaRPr>
           </a:p>
         </p:txBody>
       </p:sp>
@@ -11496,7 +11223,7 @@
           <a:lstStyle/>
           <a:p>
             <a:r>
-              <a:rPr lang="en-US" b="1" dirty="0" smtClean="0">
+              <a:rPr lang="en-US" b="1" dirty="0">
                 <a:solidFill>
                   <a:srgbClr val="FF0000"/>
                 </a:solidFill>
@@ -11508,7 +11235,7 @@
           </a:p>
           <a:p>
             <a:r>
-              <a:rPr lang="en-US" b="1" dirty="0" smtClean="0">
+              <a:rPr lang="en-US" b="1" dirty="0">
                 <a:solidFill>
                   <a:srgbClr val="FF0000"/>
                 </a:solidFill>
@@ -11551,17 +11278,7 @@
                 <a:latin typeface="Trebuchet MS"/>
                 <a:cs typeface="Trebuchet MS"/>
               </a:rPr>
-              <a:t>??</a:t>
-            </a:r>
-            <a:r>
-              <a:rPr lang="en-US" b="1" dirty="0" smtClean="0">
-                <a:solidFill>
-                  <a:srgbClr val="FF0000"/>
-                </a:solidFill>
-                <a:latin typeface="Trebuchet MS"/>
-                <a:cs typeface="Trebuchet MS"/>
-              </a:rPr>
-              <a:t>?                    ???                              ???</a:t>
+              <a:t>???                    ???                              ???</a:t>
             </a:r>
             <a:endParaRPr lang="en-US" dirty="0"/>
           </a:p>
@@ -11577,13 +11294,6 @@
   <p:clrMapOvr>
     <a:masterClrMapping/>
   </p:clrMapOvr>
-  <p:timing>
-    <p:tnLst>
-      <p:par>
-        <p:cTn id="1" dur="indefinite" restart="never" nodeType="tmRoot"/>
-      </p:par>
-    </p:tnLst>
-  </p:timing>
 </p:sld>
 </file>
 
@@ -12223,7 +11933,7 @@
           <a:p>
             <a:pPr algn="ctr"/>
             <a:r>
-              <a:rPr lang="en-US" dirty="0" smtClean="0">
+              <a:rPr lang="en-US" dirty="0">
                 <a:latin typeface="Trebuchet MS"/>
                 <a:cs typeface="Trebuchet MS"/>
               </a:rPr>
@@ -12233,16 +11943,12 @@
           <a:p>
             <a:pPr algn="ctr"/>
             <a:r>
-              <a:rPr lang="en-US" dirty="0" smtClean="0">
+              <a:rPr lang="en-US" dirty="0">
                 <a:latin typeface="Trebuchet MS"/>
                 <a:cs typeface="Trebuchet MS"/>
               </a:rPr>
               <a:t>known classes</a:t>
             </a:r>
-            <a:endParaRPr lang="en-US" dirty="0">
-              <a:latin typeface="Trebuchet MS"/>
-              <a:cs typeface="Trebuchet MS"/>
-            </a:endParaRPr>
           </a:p>
         </p:txBody>
       </p:sp>
@@ -12270,16 +11976,12 @@
           <a:p>
             <a:pPr algn="ctr"/>
             <a:r>
-              <a:rPr lang="en-US" dirty="0" smtClean="0">
+              <a:rPr lang="en-US" dirty="0">
                 <a:latin typeface="Trebuchet MS"/>
                 <a:cs typeface="Trebuchet MS"/>
               </a:rPr>
               <a:t>Class 1 </a:t>
             </a:r>
-            <a:endParaRPr lang="en-US" dirty="0">
-              <a:latin typeface="Trebuchet MS"/>
-              <a:cs typeface="Trebuchet MS"/>
-            </a:endParaRPr>
           </a:p>
         </p:txBody>
       </p:sp>
@@ -12307,16 +12009,12 @@
           <a:p>
             <a:pPr algn="ctr"/>
             <a:r>
-              <a:rPr lang="en-US" dirty="0" smtClean="0">
+              <a:rPr lang="en-US" dirty="0">
                 <a:latin typeface="Trebuchet MS"/>
                 <a:cs typeface="Trebuchet MS"/>
               </a:rPr>
               <a:t>Class 2 </a:t>
             </a:r>
-            <a:endParaRPr lang="en-US" dirty="0">
-              <a:latin typeface="Trebuchet MS"/>
-              <a:cs typeface="Trebuchet MS"/>
-            </a:endParaRPr>
           </a:p>
         </p:txBody>
       </p:sp>
@@ -12344,16 +12042,12 @@
           <a:p>
             <a:pPr algn="ctr"/>
             <a:r>
-              <a:rPr lang="en-US" dirty="0" smtClean="0">
+              <a:rPr lang="en-US" dirty="0">
                 <a:latin typeface="Trebuchet MS"/>
                 <a:cs typeface="Trebuchet MS"/>
               </a:rPr>
               <a:t>Class n </a:t>
             </a:r>
-            <a:endParaRPr lang="en-US" dirty="0">
-              <a:latin typeface="Trebuchet MS"/>
-              <a:cs typeface="Trebuchet MS"/>
-            </a:endParaRPr>
           </a:p>
         </p:txBody>
       </p:sp>
@@ -12643,14 +12337,14 @@
           <a:lstStyle/>
           <a:p>
             <a:r>
-              <a:rPr lang="en-US" dirty="0" smtClean="0">
+              <a:rPr lang="en-US" dirty="0">
                 <a:latin typeface="Trebuchet MS"/>
                 <a:cs typeface="Trebuchet MS"/>
               </a:rPr>
               <a:t>Stage 1:   </a:t>
             </a:r>
             <a:r>
-              <a:rPr lang="en-US" b="1" dirty="0" smtClean="0">
+              <a:rPr lang="en-US" b="1" dirty="0">
                 <a:solidFill>
                   <a:srgbClr val="FF0000"/>
                 </a:solidFill>
@@ -12660,16 +12354,12 @@
               <a:t>TRAINING</a:t>
             </a:r>
             <a:r>
-              <a:rPr lang="en-US" dirty="0" smtClean="0">
+              <a:rPr lang="en-US" dirty="0">
                 <a:latin typeface="Trebuchet MS"/>
                 <a:cs typeface="Trebuchet MS"/>
               </a:rPr>
               <a:t>                    </a:t>
             </a:r>
-            <a:endParaRPr lang="en-US" dirty="0">
-              <a:latin typeface="Trebuchet MS"/>
-              <a:cs typeface="Trebuchet MS"/>
-            </a:endParaRPr>
           </a:p>
         </p:txBody>
       </p:sp>
@@ -12701,14 +12391,14 @@
           <a:lstStyle/>
           <a:p>
             <a:r>
-              <a:rPr lang="en-US" dirty="0" smtClean="0">
+              <a:rPr lang="en-US" dirty="0">
                 <a:latin typeface="Trebuchet MS"/>
                 <a:cs typeface="Trebuchet MS"/>
               </a:rPr>
               <a:t>Stage 2:   </a:t>
             </a:r>
             <a:r>
-              <a:rPr lang="en-US" b="1" dirty="0" smtClean="0">
+              <a:rPr lang="en-US" b="1" dirty="0">
                 <a:solidFill>
                   <a:srgbClr val="FF0000"/>
                 </a:solidFill>
@@ -12718,16 +12408,12 @@
               <a:t>TESTING</a:t>
             </a:r>
             <a:r>
-              <a:rPr lang="en-US" dirty="0" smtClean="0">
+              <a:rPr lang="en-US" dirty="0">
                 <a:latin typeface="Trebuchet MS"/>
                 <a:cs typeface="Trebuchet MS"/>
               </a:rPr>
               <a:t>                   </a:t>
             </a:r>
-            <a:endParaRPr lang="en-US" dirty="0">
-              <a:latin typeface="Trebuchet MS"/>
-              <a:cs typeface="Trebuchet MS"/>
-            </a:endParaRPr>
           </a:p>
         </p:txBody>
       </p:sp>
@@ -13043,16 +12729,12 @@
           <a:lstStyle/>
           <a:p>
             <a:r>
-              <a:rPr lang="en-US" dirty="0" smtClean="0">
+              <a:rPr lang="en-US" dirty="0">
                 <a:latin typeface="Trebuchet MS"/>
                 <a:cs typeface="Trebuchet MS"/>
               </a:rPr>
               <a:t>Output:              </a:t>
             </a:r>
-            <a:endParaRPr lang="en-US" dirty="0">
-              <a:latin typeface="Trebuchet MS"/>
-              <a:cs typeface="Trebuchet MS"/>
-            </a:endParaRPr>
           </a:p>
         </p:txBody>
       </p:sp>
@@ -13084,14 +12766,14 @@
           <a:lstStyle/>
           <a:p>
             <a:r>
-              <a:rPr lang="en-US" dirty="0" err="1" smtClean="0">
+              <a:rPr lang="en-US" dirty="0" err="1">
                 <a:latin typeface="Trebuchet MS"/>
                 <a:cs typeface="Trebuchet MS"/>
               </a:rPr>
               <a:t>Input</a:t>
             </a:r>
             <a:r>
-              <a:rPr lang="en-US" sz="2400" dirty="0" err="1" smtClean="0">
+              <a:rPr lang="en-US" sz="2400" dirty="0" err="1">
                 <a:solidFill>
                   <a:schemeClr val="bg1"/>
                 </a:solidFill>
@@ -13101,14 +12783,14 @@
               <a:t>A</a:t>
             </a:r>
             <a:r>
-              <a:rPr lang="en-US" dirty="0" smtClean="0">
+              <a:rPr lang="en-US" dirty="0">
                 <a:latin typeface="Trebuchet MS"/>
                 <a:cs typeface="Trebuchet MS"/>
               </a:rPr>
               <a:t>: </a:t>
             </a:r>
             <a:r>
-              <a:rPr lang="en-US" dirty="0" smtClean="0">
+              <a:rPr lang="en-US" dirty="0">
                 <a:solidFill>
                   <a:srgbClr val="FF0000"/>
                 </a:solidFill>
@@ -13118,16 +12800,12 @@
               <a:t>Test Image</a:t>
             </a:r>
             <a:r>
-              <a:rPr lang="en-US" dirty="0" smtClean="0">
+              <a:rPr lang="en-US" dirty="0">
                 <a:latin typeface="Trebuchet MS"/>
                 <a:cs typeface="Trebuchet MS"/>
               </a:rPr>
               <a:t>              </a:t>
             </a:r>
-            <a:endParaRPr lang="en-US" dirty="0">
-              <a:latin typeface="Trebuchet MS"/>
-              <a:cs typeface="Trebuchet MS"/>
-            </a:endParaRPr>
           </a:p>
         </p:txBody>
       </p:sp>
@@ -13154,7 +12832,7 @@
           <a:lstStyle/>
           <a:p>
             <a:r>
-              <a:rPr lang="en-US" b="1" dirty="0" smtClean="0">
+              <a:rPr lang="en-US" b="1" dirty="0">
                 <a:solidFill>
                   <a:srgbClr val="FF0000"/>
                 </a:solidFill>
@@ -13166,7 +12844,7 @@
           </a:p>
           <a:p>
             <a:r>
-              <a:rPr lang="en-US" b="1" dirty="0" smtClean="0">
+              <a:rPr lang="en-US" b="1" dirty="0">
                 <a:solidFill>
                   <a:srgbClr val="FF0000"/>
                 </a:solidFill>
@@ -13209,17 +12887,7 @@
                 <a:latin typeface="Trebuchet MS"/>
                 <a:cs typeface="Trebuchet MS"/>
               </a:rPr>
-              <a:t>??</a:t>
-            </a:r>
-            <a:r>
-              <a:rPr lang="en-US" b="1" dirty="0" smtClean="0">
-                <a:solidFill>
-                  <a:srgbClr val="FF0000"/>
-                </a:solidFill>
-                <a:latin typeface="Trebuchet MS"/>
-                <a:cs typeface="Trebuchet MS"/>
-              </a:rPr>
-              <a:t>?                    ???                </a:t>
+              <a:t>???                    ???                </a:t>
             </a:r>
             <a:endParaRPr lang="en-US" dirty="0"/>
           </a:p>
@@ -13248,7 +12916,7 @@
           <a:lstStyle/>
           <a:p>
             <a:r>
-              <a:rPr lang="en-US" b="1" dirty="0" smtClean="0">
+              <a:rPr lang="en-US" b="1" dirty="0">
                 <a:solidFill>
                   <a:srgbClr val="FF0000"/>
                 </a:solidFill>
@@ -13271,13 +12939,6 @@
   <p:clrMapOvr>
     <a:masterClrMapping/>
   </p:clrMapOvr>
-  <p:timing>
-    <p:tnLst>
-      <p:par>
-        <p:cTn id="1" dur="indefinite" restart="never" nodeType="tmRoot"/>
-      </p:par>
-    </p:tnLst>
-  </p:timing>
 </p:sld>
 </file>
 
@@ -13917,7 +13578,7 @@
           <a:p>
             <a:pPr algn="ctr"/>
             <a:r>
-              <a:rPr lang="en-US" dirty="0" smtClean="0">
+              <a:rPr lang="en-US" dirty="0">
                 <a:latin typeface="Trebuchet MS"/>
                 <a:cs typeface="Trebuchet MS"/>
               </a:rPr>
@@ -13927,16 +13588,12 @@
           <a:p>
             <a:pPr algn="ctr"/>
             <a:r>
-              <a:rPr lang="en-US" dirty="0" smtClean="0">
+              <a:rPr lang="en-US" dirty="0">
                 <a:latin typeface="Trebuchet MS"/>
                 <a:cs typeface="Trebuchet MS"/>
               </a:rPr>
               <a:t>known classes</a:t>
             </a:r>
-            <a:endParaRPr lang="en-US" dirty="0">
-              <a:latin typeface="Trebuchet MS"/>
-              <a:cs typeface="Trebuchet MS"/>
-            </a:endParaRPr>
           </a:p>
         </p:txBody>
       </p:sp>
@@ -13964,16 +13621,12 @@
           <a:p>
             <a:pPr algn="ctr"/>
             <a:r>
-              <a:rPr lang="en-US" dirty="0" smtClean="0">
+              <a:rPr lang="en-US" dirty="0">
                 <a:latin typeface="Trebuchet MS"/>
                 <a:cs typeface="Trebuchet MS"/>
               </a:rPr>
               <a:t>Class 1 </a:t>
             </a:r>
-            <a:endParaRPr lang="en-US" dirty="0">
-              <a:latin typeface="Trebuchet MS"/>
-              <a:cs typeface="Trebuchet MS"/>
-            </a:endParaRPr>
           </a:p>
         </p:txBody>
       </p:sp>
@@ -14001,16 +13654,12 @@
           <a:p>
             <a:pPr algn="ctr"/>
             <a:r>
-              <a:rPr lang="en-US" dirty="0" smtClean="0">
+              <a:rPr lang="en-US" dirty="0">
                 <a:latin typeface="Trebuchet MS"/>
                 <a:cs typeface="Trebuchet MS"/>
               </a:rPr>
               <a:t>Class 2 </a:t>
             </a:r>
-            <a:endParaRPr lang="en-US" dirty="0">
-              <a:latin typeface="Trebuchet MS"/>
-              <a:cs typeface="Trebuchet MS"/>
-            </a:endParaRPr>
           </a:p>
         </p:txBody>
       </p:sp>
@@ -14038,16 +13687,12 @@
           <a:p>
             <a:pPr algn="ctr"/>
             <a:r>
-              <a:rPr lang="en-US" dirty="0" smtClean="0">
+              <a:rPr lang="en-US" dirty="0">
                 <a:latin typeface="Trebuchet MS"/>
                 <a:cs typeface="Trebuchet MS"/>
               </a:rPr>
               <a:t>Class n </a:t>
             </a:r>
-            <a:endParaRPr lang="en-US" dirty="0">
-              <a:latin typeface="Trebuchet MS"/>
-              <a:cs typeface="Trebuchet MS"/>
-            </a:endParaRPr>
           </a:p>
         </p:txBody>
       </p:sp>
@@ -14337,14 +13982,14 @@
           <a:lstStyle/>
           <a:p>
             <a:r>
-              <a:rPr lang="en-US" dirty="0" smtClean="0">
+              <a:rPr lang="en-US" dirty="0">
                 <a:latin typeface="Trebuchet MS"/>
                 <a:cs typeface="Trebuchet MS"/>
               </a:rPr>
               <a:t>Stage 1:   </a:t>
             </a:r>
             <a:r>
-              <a:rPr lang="en-US" b="1" dirty="0" smtClean="0">
+              <a:rPr lang="en-US" b="1" dirty="0">
                 <a:solidFill>
                   <a:srgbClr val="FF0000"/>
                 </a:solidFill>
@@ -14354,16 +13999,12 @@
               <a:t>TRAINING</a:t>
             </a:r>
             <a:r>
-              <a:rPr lang="en-US" dirty="0" smtClean="0">
+              <a:rPr lang="en-US" dirty="0">
                 <a:latin typeface="Trebuchet MS"/>
                 <a:cs typeface="Trebuchet MS"/>
               </a:rPr>
               <a:t>                    </a:t>
             </a:r>
-            <a:endParaRPr lang="en-US" dirty="0">
-              <a:latin typeface="Trebuchet MS"/>
-              <a:cs typeface="Trebuchet MS"/>
-            </a:endParaRPr>
           </a:p>
         </p:txBody>
       </p:sp>
@@ -14395,14 +14036,14 @@
           <a:lstStyle/>
           <a:p>
             <a:r>
-              <a:rPr lang="en-US" dirty="0" smtClean="0">
+              <a:rPr lang="en-US" dirty="0">
                 <a:latin typeface="Trebuchet MS"/>
                 <a:cs typeface="Trebuchet MS"/>
               </a:rPr>
               <a:t>Stage 2:   </a:t>
             </a:r>
             <a:r>
-              <a:rPr lang="en-US" b="1" dirty="0" smtClean="0">
+              <a:rPr lang="en-US" b="1" dirty="0">
                 <a:solidFill>
                   <a:srgbClr val="FF0000"/>
                 </a:solidFill>
@@ -14412,16 +14053,12 @@
               <a:t>TESTING</a:t>
             </a:r>
             <a:r>
-              <a:rPr lang="en-US" dirty="0" smtClean="0">
+              <a:rPr lang="en-US" dirty="0">
                 <a:latin typeface="Trebuchet MS"/>
                 <a:cs typeface="Trebuchet MS"/>
               </a:rPr>
               <a:t>                   </a:t>
             </a:r>
-            <a:endParaRPr lang="en-US" dirty="0">
-              <a:latin typeface="Trebuchet MS"/>
-              <a:cs typeface="Trebuchet MS"/>
-            </a:endParaRPr>
           </a:p>
         </p:txBody>
       </p:sp>
@@ -14737,16 +14374,12 @@
           <a:lstStyle/>
           <a:p>
             <a:r>
-              <a:rPr lang="en-US" dirty="0" smtClean="0">
+              <a:rPr lang="en-US" dirty="0">
                 <a:latin typeface="Trebuchet MS"/>
                 <a:cs typeface="Trebuchet MS"/>
               </a:rPr>
               <a:t>Output:              </a:t>
             </a:r>
-            <a:endParaRPr lang="en-US" dirty="0">
-              <a:latin typeface="Trebuchet MS"/>
-              <a:cs typeface="Trebuchet MS"/>
-            </a:endParaRPr>
           </a:p>
         </p:txBody>
       </p:sp>
@@ -14778,14 +14411,14 @@
           <a:lstStyle/>
           <a:p>
             <a:r>
-              <a:rPr lang="en-US" dirty="0" err="1" smtClean="0">
+              <a:rPr lang="en-US" dirty="0" err="1">
                 <a:latin typeface="Trebuchet MS"/>
                 <a:cs typeface="Trebuchet MS"/>
               </a:rPr>
               <a:t>Input</a:t>
             </a:r>
             <a:r>
-              <a:rPr lang="en-US" sz="2400" dirty="0" err="1" smtClean="0">
+              <a:rPr lang="en-US" sz="2400" dirty="0" err="1">
                 <a:solidFill>
                   <a:schemeClr val="bg1"/>
                 </a:solidFill>
@@ -14795,14 +14428,14 @@
               <a:t>A</a:t>
             </a:r>
             <a:r>
-              <a:rPr lang="en-US" dirty="0" smtClean="0">
+              <a:rPr lang="en-US" dirty="0">
                 <a:latin typeface="Trebuchet MS"/>
                 <a:cs typeface="Trebuchet MS"/>
               </a:rPr>
               <a:t>: </a:t>
             </a:r>
             <a:r>
-              <a:rPr lang="en-US" dirty="0" smtClean="0">
+              <a:rPr lang="en-US" dirty="0">
                 <a:solidFill>
                   <a:srgbClr val="FF0000"/>
                 </a:solidFill>
@@ -14812,16 +14445,12 @@
               <a:t>Test Image</a:t>
             </a:r>
             <a:r>
-              <a:rPr lang="en-US" dirty="0" smtClean="0">
+              <a:rPr lang="en-US" dirty="0">
                 <a:latin typeface="Trebuchet MS"/>
                 <a:cs typeface="Trebuchet MS"/>
               </a:rPr>
               <a:t>              </a:t>
             </a:r>
-            <a:endParaRPr lang="en-US" dirty="0">
-              <a:latin typeface="Trebuchet MS"/>
-              <a:cs typeface="Trebuchet MS"/>
-            </a:endParaRPr>
           </a:p>
         </p:txBody>
       </p:sp>
@@ -14848,7 +14477,7 @@
           <a:lstStyle/>
           <a:p>
             <a:r>
-              <a:rPr lang="en-US" b="1" dirty="0" smtClean="0">
+              <a:rPr lang="en-US" b="1" dirty="0">
                 <a:solidFill>
                   <a:srgbClr val="FF0000"/>
                 </a:solidFill>
@@ -14860,7 +14489,7 @@
           </a:p>
           <a:p>
             <a:r>
-              <a:rPr lang="en-US" b="1" dirty="0" smtClean="0">
+              <a:rPr lang="en-US" b="1" dirty="0">
                 <a:solidFill>
                   <a:srgbClr val="FF0000"/>
                 </a:solidFill>
@@ -14896,7 +14525,7 @@
           <a:lstStyle/>
           <a:p>
             <a:r>
-              <a:rPr lang="en-US" b="1" dirty="0" smtClean="0">
+              <a:rPr lang="en-US" b="1" dirty="0">
                 <a:solidFill>
                   <a:srgbClr val="FF0000"/>
                 </a:solidFill>
@@ -14933,7 +14562,7 @@
           <a:p>
             <a:pPr algn="ctr"/>
             <a:r>
-              <a:rPr lang="en-US" sz="1400" b="1" dirty="0" smtClean="0">
+              <a:rPr lang="en-US" sz="1400" b="1" dirty="0">
                 <a:solidFill>
                   <a:srgbClr val="FF0000"/>
                 </a:solidFill>
@@ -14946,7 +14575,7 @@
           <a:p>
             <a:pPr algn="ctr"/>
             <a:r>
-              <a:rPr lang="en-US" sz="1400" b="1" dirty="0" smtClean="0">
+              <a:rPr lang="en-US" sz="1400" b="1" dirty="0">
                 <a:solidFill>
                   <a:srgbClr val="FF0000"/>
                 </a:solidFill>
@@ -14959,7 +14588,7 @@
           <a:p>
             <a:pPr algn="ctr"/>
             <a:r>
-              <a:rPr lang="en-US" sz="1400" b="1" dirty="0" smtClean="0">
+              <a:rPr lang="en-US" sz="1400" b="1" dirty="0">
                 <a:solidFill>
                   <a:srgbClr val="FF0000"/>
                 </a:solidFill>
@@ -14996,7 +14625,7 @@
           <a:p>
             <a:pPr algn="ctr"/>
             <a:r>
-              <a:rPr lang="en-US" sz="1400" b="1" dirty="0" smtClean="0">
+              <a:rPr lang="en-US" sz="1400" b="1" dirty="0">
                 <a:solidFill>
                   <a:srgbClr val="FF0000"/>
                 </a:solidFill>
@@ -15019,13 +14648,6 @@
   <p:clrMapOvr>
     <a:masterClrMapping/>
   </p:clrMapOvr>
-  <p:timing>
-    <p:tnLst>
-      <p:par>
-        <p:cTn id="1" dur="indefinite" restart="never" nodeType="tmRoot"/>
-      </p:par>
-    </p:tnLst>
-  </p:timing>
 </p:sld>
 </file>
 

--- a/clases/Cap01_Introduccion/presentations/PAT01_PR_Methodologia.pptx
+++ b/clases/Cap01_Introduccion/presentations/PAT01_PR_Methodologia.pptx
@@ -14635,6 +14635,75 @@
               <a:t>Classification</a:t>
             </a:r>
             <a:endParaRPr lang="en-US" sz="1400" dirty="0"/>
+          </a:p>
+        </p:txBody>
+      </p:sp>
+      <p:sp>
+        <p:nvSpPr>
+          <p:cNvPr id="4" name="TextBox 3">
+            <a:extLst>
+              <a:ext uri="{FF2B5EF4-FFF2-40B4-BE49-F238E27FC236}">
+                <a16:creationId xmlns:a16="http://schemas.microsoft.com/office/drawing/2014/main" id="{9C21F91E-34BF-7047-365B-9503BB3D6958}"/>
+              </a:ext>
+            </a:extLst>
+          </p:cNvPr>
+          <p:cNvSpPr txBox="1"/>
+          <p:nvPr/>
+        </p:nvSpPr>
+        <p:spPr>
+          <a:xfrm>
+            <a:off x="5911261" y="3753899"/>
+            <a:ext cx="1534027" cy="646331"/>
+          </a:xfrm>
+          <a:prstGeom prst="rect">
+            <a:avLst/>
+          </a:prstGeom>
+          <a:noFill/>
+        </p:spPr>
+        <p:txBody>
+          <a:bodyPr wrap="square">
+            <a:spAutoFit/>
+          </a:bodyPr>
+          <a:lstStyle/>
+          <a:p>
+            <a:pPr algn="ctr"/>
+            <a:r>
+              <a:rPr lang="en-US" b="1" i="1" dirty="0">
+                <a:solidFill>
+                  <a:schemeClr val="tx1">
+                    <a:lumMod val="50000"/>
+                    <a:lumOff val="50000"/>
+                  </a:schemeClr>
+                </a:solidFill>
+                <a:latin typeface="Trebuchet MS"/>
+                <a:cs typeface="Trebuchet MS"/>
+              </a:rPr>
+              <a:t>Classifier</a:t>
+            </a:r>
+          </a:p>
+          <a:p>
+            <a:pPr algn="ctr"/>
+            <a:r>
+              <a:rPr lang="en-CL" b="1" i="1" dirty="0">
+                <a:solidFill>
+                  <a:schemeClr val="tx1">
+                    <a:lumMod val="50000"/>
+                    <a:lumOff val="50000"/>
+                  </a:schemeClr>
+                </a:solidFill>
+                <a:latin typeface="Trebuchet MS"/>
+              </a:rPr>
+              <a:t>Parameters</a:t>
+            </a:r>
+            <a:endParaRPr lang="en-US" b="1" i="1" dirty="0">
+              <a:solidFill>
+                <a:schemeClr val="tx1">
+                  <a:lumMod val="50000"/>
+                  <a:lumOff val="50000"/>
+                </a:schemeClr>
+              </a:solidFill>
+              <a:latin typeface="Trebuchet MS"/>
+            </a:endParaRPr>
           </a:p>
         </p:txBody>
       </p:sp>
